--- a/HW5/HW5_vga.pptx
+++ b/HW5/HW5_vga.pptx
@@ -231,7 +231,7 @@
               <a:rPr lang="zh-TW" altLang="en-US" smtClean="0">
                 <a:ea typeface="標楷體" panose="03000509000000000000" pitchFamily="65" charset="-120"/>
               </a:rPr>
-              <a:t>2025/1/6</a:t>
+              <a:t>2025/1/8</a:t>
             </a:fld>
             <a:endParaRPr lang="zh-TW" altLang="en-US">
               <a:ea typeface="標楷體" panose="03000509000000000000" pitchFamily="65" charset="-120"/>
@@ -409,7 +409,7 @@
             <a:fld id="{2CB905C5-9D54-40E2-B40C-7996280CAB02}" type="datetimeFigureOut">
               <a:rPr lang="zh-TW" altLang="en-US" smtClean="0"/>
               <a:pPr/>
-              <a:t>2025/1/6</a:t>
+              <a:t>2025/1/8</a:t>
             </a:fld>
             <a:endParaRPr lang="zh-TW" altLang="en-US"/>
           </a:p>
@@ -815,7 +815,7 @@
           <a:p>
             <a:fld id="{0C0CC965-A63A-473D-BEFB-C8F9714D5269}" type="datetimeFigureOut">
               <a:rPr lang="zh-TW" altLang="en-US" smtClean="0"/>
-              <a:t>2025/1/6</a:t>
+              <a:t>2025/1/8</a:t>
             </a:fld>
             <a:endParaRPr lang="zh-TW" altLang="en-US"/>
           </a:p>
@@ -983,7 +983,7 @@
           <a:p>
             <a:fld id="{0C0CC965-A63A-473D-BEFB-C8F9714D5269}" type="datetimeFigureOut">
               <a:rPr lang="zh-TW" altLang="en-US" smtClean="0"/>
-              <a:t>2025/1/6</a:t>
+              <a:t>2025/1/8</a:t>
             </a:fld>
             <a:endParaRPr lang="zh-TW" altLang="en-US"/>
           </a:p>
@@ -1161,7 +1161,7 @@
           <a:p>
             <a:fld id="{0C0CC965-A63A-473D-BEFB-C8F9714D5269}" type="datetimeFigureOut">
               <a:rPr lang="zh-TW" altLang="en-US" smtClean="0"/>
-              <a:t>2025/1/6</a:t>
+              <a:t>2025/1/8</a:t>
             </a:fld>
             <a:endParaRPr lang="zh-TW" altLang="en-US"/>
           </a:p>
@@ -1356,7 +1356,7 @@
           <a:p>
             <a:fld id="{0C0CC965-A63A-473D-BEFB-C8F9714D5269}" type="datetimeFigureOut">
               <a:rPr lang="zh-TW" altLang="en-US" smtClean="0"/>
-              <a:t>2025/1/6</a:t>
+              <a:t>2025/1/8</a:t>
             </a:fld>
             <a:endParaRPr lang="zh-TW" altLang="en-US"/>
           </a:p>
@@ -1601,7 +1601,7 @@
           <a:p>
             <a:fld id="{0C0CC965-A63A-473D-BEFB-C8F9714D5269}" type="datetimeFigureOut">
               <a:rPr lang="zh-TW" altLang="en-US" smtClean="0"/>
-              <a:t>2025/1/6</a:t>
+              <a:t>2025/1/8</a:t>
             </a:fld>
             <a:endParaRPr lang="zh-TW" altLang="en-US"/>
           </a:p>
@@ -1830,7 +1830,7 @@
           <a:p>
             <a:fld id="{0C0CC965-A63A-473D-BEFB-C8F9714D5269}" type="datetimeFigureOut">
               <a:rPr lang="zh-TW" altLang="en-US" smtClean="0"/>
-              <a:t>2025/1/6</a:t>
+              <a:t>2025/1/8</a:t>
             </a:fld>
             <a:endParaRPr lang="zh-TW" altLang="en-US"/>
           </a:p>
@@ -2194,7 +2194,7 @@
           <a:p>
             <a:fld id="{0C0CC965-A63A-473D-BEFB-C8F9714D5269}" type="datetimeFigureOut">
               <a:rPr lang="zh-TW" altLang="en-US" smtClean="0"/>
-              <a:t>2025/1/6</a:t>
+              <a:t>2025/1/8</a:t>
             </a:fld>
             <a:endParaRPr lang="zh-TW" altLang="en-US"/>
           </a:p>
@@ -2311,7 +2311,7 @@
           <a:p>
             <a:fld id="{0C0CC965-A63A-473D-BEFB-C8F9714D5269}" type="datetimeFigureOut">
               <a:rPr lang="zh-TW" altLang="en-US" smtClean="0"/>
-              <a:t>2025/1/6</a:t>
+              <a:t>2025/1/8</a:t>
             </a:fld>
             <a:endParaRPr lang="zh-TW" altLang="en-US"/>
           </a:p>
@@ -2406,7 +2406,7 @@
           <a:p>
             <a:fld id="{0C0CC965-A63A-473D-BEFB-C8F9714D5269}" type="datetimeFigureOut">
               <a:rPr lang="zh-TW" altLang="en-US" smtClean="0"/>
-              <a:t>2025/1/6</a:t>
+              <a:t>2025/1/8</a:t>
             </a:fld>
             <a:endParaRPr lang="zh-TW" altLang="en-US"/>
           </a:p>
@@ -2681,7 +2681,7 @@
           <a:p>
             <a:fld id="{0C0CC965-A63A-473D-BEFB-C8F9714D5269}" type="datetimeFigureOut">
               <a:rPr lang="zh-TW" altLang="en-US" smtClean="0"/>
-              <a:t>2025/1/6</a:t>
+              <a:t>2025/1/8</a:t>
             </a:fld>
             <a:endParaRPr lang="zh-TW" altLang="en-US"/>
           </a:p>
@@ -2933,7 +2933,7 @@
           <a:p>
             <a:fld id="{0C0CC965-A63A-473D-BEFB-C8F9714D5269}" type="datetimeFigureOut">
               <a:rPr lang="zh-TW" altLang="en-US" smtClean="0"/>
-              <a:t>2025/1/6</a:t>
+              <a:t>2025/1/8</a:t>
             </a:fld>
             <a:endParaRPr lang="zh-TW" altLang="en-US"/>
           </a:p>
@@ -3147,7 +3147,7 @@
             <a:fld id="{0C0CC965-A63A-473D-BEFB-C8F9714D5269}" type="datetimeFigureOut">
               <a:rPr lang="zh-TW" altLang="en-US" smtClean="0"/>
               <a:pPr/>
-              <a:t>2025/1/6</a:t>
+              <a:t>2025/1/8</a:t>
             </a:fld>
             <a:endParaRPr lang="zh-TW" altLang="en-US"/>
           </a:p>
@@ -3681,7 +3681,7 @@
           <a:p>
             <a:r>
               <a:rPr lang="en-US" altLang="zh-TW" dirty="0"/>
-              <a:t>HW5</a:t>
+              <a:t>HW5-vga_display</a:t>
             </a:r>
             <a:endParaRPr lang="zh-TW" altLang="en-US" dirty="0"/>
           </a:p>
@@ -3917,7 +3917,7 @@
           <a:p>
             <a:r>
               <a:rPr lang="en-US" altLang="zh-TW" dirty="0"/>
-              <a:t>HW5</a:t>
+              <a:t>HW5-vga_display</a:t>
             </a:r>
             <a:endParaRPr lang="zh-TW" altLang="en-US" dirty="0"/>
           </a:p>
@@ -4219,7 +4219,7 @@
           <a:p>
             <a:r>
               <a:rPr lang="en-US" altLang="zh-TW" dirty="0"/>
-              <a:t>HW5</a:t>
+              <a:t>HW5-vga_display</a:t>
             </a:r>
             <a:endParaRPr lang="zh-TW" altLang="en-US" dirty="0"/>
           </a:p>
@@ -4436,7 +4436,7 @@
           <a:p>
             <a:r>
               <a:rPr lang="en-US" altLang="zh-TW" dirty="0"/>
-              <a:t>HW5</a:t>
+              <a:t>HW5-vga_display</a:t>
             </a:r>
             <a:endParaRPr lang="zh-TW" altLang="en-US" dirty="0"/>
           </a:p>
@@ -4743,8 +4743,8 @@
           <a:lstStyle/>
           <a:p>
             <a:r>
-              <a:rPr lang="en-US" altLang="zh-TW" dirty="0"/>
-              <a:t>HW5</a:t>
+              <a:rPr lang="en-US" altLang="zh-TW"/>
+              <a:t>HW5-vga_display</a:t>
             </a:r>
             <a:endParaRPr lang="zh-TW" altLang="en-US" dirty="0"/>
           </a:p>
